--- a/data/templates/simplified/simple-16-9.pptx
+++ b/data/templates/simplified/simple-16-9.pptx
@@ -235,8 +235,9 @@
                 <a:solidFill>
                   <a:schemeClr val="tx1"/>
                 </a:solidFill>
-                <a:latin typeface="5L2F-LISU-S" panose="02010609000101010101" pitchFamily="49" charset="-122"/>
-                <a:ea typeface="5L2F-LISU-S" panose="02010609000101010101" pitchFamily="49" charset="-122"/>
+                <a:latin typeface="5L2F-KAISU-S" panose="03000509000000000000" pitchFamily="65" charset="-128"/>
+                <a:ea typeface="5L2F-KAISU-S" panose="03000509000000000000" pitchFamily="65" charset="-128"/>
+                <a:cs typeface="5L2F-KAISU-S" panose="03000509000000000000" pitchFamily="65" charset="-128"/>
               </a:defRPr>
             </a:lvl1pPr>
             <a:lvl2pPr marL="342900" indent="0" algn="ctr">
@@ -660,8 +661,9 @@
                 <a:solidFill>
                   <a:schemeClr val="tx1"/>
                 </a:solidFill>
-                <a:latin typeface="5L2F-LISU-S" panose="02010609000101010101" pitchFamily="49" charset="-122"/>
-                <a:ea typeface="5L2F-LISU-S" panose="02010609000101010101" pitchFamily="49" charset="-122"/>
+                <a:latin typeface="5L2F-KAISU-S" panose="03000509000000000000" pitchFamily="65" charset="-128"/>
+                <a:ea typeface="5L2F-KAISU-S" panose="03000509000000000000" pitchFamily="65" charset="-128"/>
+                <a:cs typeface="5L2F-KAISU-S" panose="03000509000000000000" pitchFamily="65" charset="-128"/>
               </a:defRPr>
             </a:lvl1pPr>
             <a:lvl2pPr marL="342900" indent="0" algn="ctr">
@@ -849,8 +851,9 @@
                 <a:solidFill>
                   <a:schemeClr val="tx1"/>
                 </a:solidFill>
-                <a:latin typeface="5L2F-LISU-S" panose="02010609000101010101" pitchFamily="49" charset="-122"/>
-                <a:ea typeface="5L2F-LISU-S" panose="02010609000101010101" pitchFamily="49" charset="-122"/>
+                <a:latin typeface="5L2F-KAISU-S" panose="03000509000000000000" pitchFamily="65" charset="-128"/>
+                <a:ea typeface="5L2F-KAISU-S" panose="03000509000000000000" pitchFamily="65" charset="-128"/>
+                <a:cs typeface="5L2F-KAISU-S" panose="03000509000000000000" pitchFamily="65" charset="-128"/>
               </a:defRPr>
             </a:lvl1pPr>
             <a:lvl2pPr marL="342900" indent="0" algn="ctr">
@@ -1038,8 +1041,9 @@
                 <a:solidFill>
                   <a:schemeClr val="tx1"/>
                 </a:solidFill>
-                <a:latin typeface="5L2F-LISU-S" panose="02010609000101010101" pitchFamily="49" charset="-122"/>
-                <a:ea typeface="5L2F-LISU-S" panose="02010609000101010101" pitchFamily="49" charset="-122"/>
+                <a:latin typeface="5L2F-KAISU-S" panose="03000509000000000000" pitchFamily="65" charset="-128"/>
+                <a:ea typeface="5L2F-KAISU-S" panose="03000509000000000000" pitchFamily="65" charset="-128"/>
+                <a:cs typeface="5L2F-KAISU-S" panose="03000509000000000000" pitchFamily="65" charset="-128"/>
               </a:defRPr>
             </a:lvl1pPr>
             <a:lvl2pPr marL="342900" indent="0" algn="ctr">
